--- a/docs/HCD-Presentation.pptx
+++ b/docs/HCD-Presentation.pptx
@@ -395,7 +395,7 @@
           <a:p>
             <a:fld id="{E397776F-066D-4DC6-AE00-DDBAD633E49B}" type="datetimeFigureOut">
               <a:rPr lang="en-US" smtClean="0"/>
-              <a:t>11/26/2024</a:t>
+              <a:t>12/4/2024</a:t>
             </a:fld>
             <a:endParaRPr lang="en-US"/>
           </a:p>
@@ -809,7 +809,7 @@
           <a:p>
             <a:fld id="{E397776F-066D-4DC6-AE00-DDBAD633E49B}" type="datetimeFigureOut">
               <a:rPr lang="en-US" smtClean="0"/>
-              <a:t>11/26/2024</a:t>
+              <a:t>12/4/2024</a:t>
             </a:fld>
             <a:endParaRPr lang="en-US"/>
           </a:p>
@@ -1145,7 +1145,7 @@
           <a:p>
             <a:fld id="{E397776F-066D-4DC6-AE00-DDBAD633E49B}" type="datetimeFigureOut">
               <a:rPr lang="en-US" smtClean="0"/>
-              <a:t>11/26/2024</a:t>
+              <a:t>12/4/2024</a:t>
             </a:fld>
             <a:endParaRPr lang="en-US"/>
           </a:p>
@@ -1550,7 +1550,7 @@
           <a:p>
             <a:fld id="{E397776F-066D-4DC6-AE00-DDBAD633E49B}" type="datetimeFigureOut">
               <a:rPr lang="en-US" smtClean="0"/>
-              <a:t>11/26/2024</a:t>
+              <a:t>12/4/2024</a:t>
             </a:fld>
             <a:endParaRPr lang="en-US"/>
           </a:p>
@@ -2118,7 +2118,7 @@
           <a:p>
             <a:fld id="{E397776F-066D-4DC6-AE00-DDBAD633E49B}" type="datetimeFigureOut">
               <a:rPr lang="en-US" smtClean="0"/>
-              <a:t>11/26/2024</a:t>
+              <a:t>12/4/2024</a:t>
             </a:fld>
             <a:endParaRPr lang="en-US"/>
           </a:p>
@@ -2799,7 +2799,7 @@
           <a:p>
             <a:fld id="{E397776F-066D-4DC6-AE00-DDBAD633E49B}" type="datetimeFigureOut">
               <a:rPr lang="en-US" smtClean="0"/>
-              <a:t>11/26/2024</a:t>
+              <a:t>12/4/2024</a:t>
             </a:fld>
             <a:endParaRPr lang="en-US"/>
           </a:p>
@@ -3712,7 +3712,7 @@
           <a:p>
             <a:fld id="{E397776F-066D-4DC6-AE00-DDBAD633E49B}" type="datetimeFigureOut">
               <a:rPr lang="en-US" smtClean="0"/>
-              <a:t>11/26/2024</a:t>
+              <a:t>12/4/2024</a:t>
             </a:fld>
             <a:endParaRPr lang="en-US"/>
           </a:p>
@@ -4025,7 +4025,7 @@
           <a:p>
             <a:fld id="{E397776F-066D-4DC6-AE00-DDBAD633E49B}" type="datetimeFigureOut">
               <a:rPr lang="en-US" smtClean="0"/>
-              <a:t>11/26/2024</a:t>
+              <a:t>12/4/2024</a:t>
             </a:fld>
             <a:endParaRPr lang="en-US"/>
           </a:p>
@@ -4289,7 +4289,7 @@
           <a:p>
             <a:fld id="{E397776F-066D-4DC6-AE00-DDBAD633E49B}" type="datetimeFigureOut">
               <a:rPr lang="en-US" smtClean="0"/>
-              <a:t>11/26/2024</a:t>
+              <a:t>12/4/2024</a:t>
             </a:fld>
             <a:endParaRPr lang="en-US"/>
           </a:p>
@@ -4612,7 +4612,7 @@
           <a:p>
             <a:fld id="{E397776F-066D-4DC6-AE00-DDBAD633E49B}" type="datetimeFigureOut">
               <a:rPr lang="en-US" smtClean="0"/>
-              <a:t>11/26/2024</a:t>
+              <a:t>12/4/2024</a:t>
             </a:fld>
             <a:endParaRPr lang="en-US"/>
           </a:p>
@@ -5001,7 +5001,7 @@
           <a:p>
             <a:fld id="{E397776F-066D-4DC6-AE00-DDBAD633E49B}" type="datetimeFigureOut">
               <a:rPr lang="en-US" smtClean="0"/>
-              <a:t>11/26/2024</a:t>
+              <a:t>12/4/2024</a:t>
             </a:fld>
             <a:endParaRPr lang="en-US"/>
           </a:p>
@@ -5377,7 +5377,7 @@
           <a:p>
             <a:fld id="{E397776F-066D-4DC6-AE00-DDBAD633E49B}" type="datetimeFigureOut">
               <a:rPr lang="en-US" smtClean="0"/>
-              <a:t>11/26/2024</a:t>
+              <a:t>12/4/2024</a:t>
             </a:fld>
             <a:endParaRPr lang="en-US"/>
           </a:p>
@@ -5883,7 +5883,7 @@
           <a:p>
             <a:fld id="{E397776F-066D-4DC6-AE00-DDBAD633E49B}" type="datetimeFigureOut">
               <a:rPr lang="en-US" smtClean="0"/>
-              <a:t>11/26/2024</a:t>
+              <a:t>12/4/2024</a:t>
             </a:fld>
             <a:endParaRPr lang="en-US"/>
           </a:p>
@@ -6140,7 +6140,7 @@
           <a:p>
             <a:fld id="{E397776F-066D-4DC6-AE00-DDBAD633E49B}" type="datetimeFigureOut">
               <a:rPr lang="en-US" smtClean="0"/>
-              <a:t>11/26/2024</a:t>
+              <a:t>12/4/2024</a:t>
             </a:fld>
             <a:endParaRPr lang="en-US"/>
           </a:p>
@@ -6303,7 +6303,7 @@
           <a:p>
             <a:fld id="{E397776F-066D-4DC6-AE00-DDBAD633E49B}" type="datetimeFigureOut">
               <a:rPr lang="en-US" smtClean="0"/>
-              <a:t>11/26/2024</a:t>
+              <a:t>12/4/2024</a:t>
             </a:fld>
             <a:endParaRPr lang="en-US"/>
           </a:p>
@@ -6693,7 +6693,7 @@
           <a:p>
             <a:fld id="{E397776F-066D-4DC6-AE00-DDBAD633E49B}" type="datetimeFigureOut">
               <a:rPr lang="en-US" smtClean="0"/>
-              <a:t>11/26/2024</a:t>
+              <a:t>12/4/2024</a:t>
             </a:fld>
             <a:endParaRPr lang="en-US"/>
           </a:p>
@@ -7102,7 +7102,7 @@
           <a:p>
             <a:fld id="{E397776F-066D-4DC6-AE00-DDBAD633E49B}" type="datetimeFigureOut">
               <a:rPr lang="en-US" smtClean="0"/>
-              <a:t>11/26/2024</a:t>
+              <a:t>12/4/2024</a:t>
             </a:fld>
             <a:endParaRPr lang="en-US"/>
           </a:p>
@@ -7346,7 +7346,7 @@
           <a:p>
             <a:fld id="{E397776F-066D-4DC6-AE00-DDBAD633E49B}" type="datetimeFigureOut">
               <a:rPr lang="en-US" smtClean="0"/>
-              <a:t>11/26/2024</a:t>
+              <a:t>12/4/2024</a:t>
             </a:fld>
             <a:endParaRPr lang="en-US"/>
           </a:p>
@@ -8566,10 +8566,10 @@
       </p:grpSpPr>
       <p:pic>
         <p:nvPicPr>
-          <p:cNvPr id="3" name="Picture 2">
+          <p:cNvPr id="4" name="Picture 3">
             <a:extLst>
               <a:ext uri="{FF2B5EF4-FFF2-40B4-BE49-F238E27FC236}">
-                <a16:creationId xmlns:a16="http://schemas.microsoft.com/office/drawing/2014/main" id="{306E23EE-A1EB-F275-CB3E-EAF85685F500}"/>
+                <a16:creationId xmlns:a16="http://schemas.microsoft.com/office/drawing/2014/main" id="{23ABED36-53A2-C584-E15C-739547CBD4D5}"/>
               </a:ext>
             </a:extLst>
           </p:cNvPr>
@@ -8586,8 +8586,8 @@
         </p:blipFill>
         <p:spPr>
           <a:xfrm>
-            <a:off x="101709" y="175711"/>
-            <a:ext cx="5715798" cy="4458322"/>
+            <a:off x="6748141" y="2757239"/>
+            <a:ext cx="4601217" cy="3553321"/>
           </a:xfrm>
           <a:prstGeom prst="rect">
             <a:avLst/>
@@ -8596,32 +8596,49 @@
       </p:pic>
       <p:pic>
         <p:nvPicPr>
-          <p:cNvPr id="5" name="Picture 4">
+          <p:cNvPr id="1026" name="Picture 2">
             <a:extLst>
               <a:ext uri="{FF2B5EF4-FFF2-40B4-BE49-F238E27FC236}">
-                <a16:creationId xmlns:a16="http://schemas.microsoft.com/office/drawing/2014/main" id="{330BDCD9-B531-0CEE-6133-FEEE270F44A1}"/>
+                <a16:creationId xmlns:a16="http://schemas.microsoft.com/office/drawing/2014/main" id="{44F13BF3-C84E-E3C5-F614-3A6A765DE490}"/>
               </a:ext>
             </a:extLst>
           </p:cNvPr>
           <p:cNvPicPr>
-            <a:picLocks noChangeAspect="1"/>
+            <a:picLocks noChangeAspect="1" noChangeArrowheads="1"/>
           </p:cNvPicPr>
           <p:nvPr/>
         </p:nvPicPr>
         <p:blipFill>
-          <a:blip r:embed="rId3"/>
+          <a:blip r:embed="rId3">
+            <a:extLst>
+              <a:ext uri="{28A0092B-C50C-407E-A947-70E740481C1C}">
+                <a14:useLocalDpi xmlns:a14="http://schemas.microsoft.com/office/drawing/2010/main" val="0"/>
+              </a:ext>
+            </a:extLst>
+          </a:blip>
+          <a:srcRect/>
           <a:stretch>
             <a:fillRect/>
           </a:stretch>
         </p:blipFill>
-        <p:spPr>
-          <a:xfrm>
-            <a:off x="6096000" y="2142435"/>
-            <a:ext cx="5792008" cy="4420217"/>
+        <p:spPr bwMode="auto">
+          <a:xfrm>
+            <a:off x="581025" y="547688"/>
+            <a:ext cx="4552950" cy="3533775"/>
           </a:xfrm>
           <a:prstGeom prst="rect">
             <a:avLst/>
           </a:prstGeom>
+          <a:noFill/>
+          <a:extLst>
+            <a:ext uri="{909E8E84-426E-40DD-AFC4-6F175D3DCCD1}">
+              <a14:hiddenFill xmlns:a14="http://schemas.microsoft.com/office/drawing/2010/main">
+                <a:solidFill>
+                  <a:srgbClr val="FFFFFF"/>
+                </a:solidFill>
+              </a14:hiddenFill>
+            </a:ext>
+          </a:extLst>
         </p:spPr>
       </p:pic>
     </p:spTree>
